--- a/presentation/presentation.pptx
+++ b/presentation/presentation.pptx
@@ -7760,15 +7760,26 @@
             </a:pPr>
             <a:r>
               <a:rPr lang="en-US" sz="1400" dirty="0"/>
-              <a:t>Harris, C.R., Millman, K.J., van der Walt, S.J. et al. (2020). Array programming with NumPy. </a:t>
-            </a:r>
-            <a:r>
-              <a:rPr lang="en-US" sz="1400" i="1" dirty="0"/>
+              <a:t>Harris, C.R., Millman, K.J., van der Walt, S.J. et al. (2020). Array programming with </a:t>
+            </a:r>
+            <a:r>
+              <a:rPr lang="en-US" sz="1400"/>
+              <a:t>NumPy.</a:t>
+            </a:r>
+            <a:br>
+              <a:rPr lang="en-US" sz="1400"/>
+            </a:br>
+            <a:r>
+              <a:rPr lang="en-US" sz="1400" i="1"/>
               <a:t>Nature</a:t>
             </a:r>
             <a:r>
+              <a:rPr lang="en-US" sz="1400"/>
+              <a:t> </a:t>
+            </a:r>
+            <a:r>
               <a:rPr lang="en-US" sz="1400" dirty="0"/>
-              <a:t> 585, 357–362.</a:t>
+              <a:t>585, 357–362.</a:t>
             </a:r>
           </a:p>
           <a:p>
@@ -9227,13 +9238,13 @@
   <p:clrMapOvr>
     <a:masterClrMapping/>
   </p:clrMapOvr>
-  <mc:AlternateContent xmlns:mc="http://schemas.openxmlformats.org/markup-compatibility/2006">
-    <mc:Choice xmlns:p15="http://schemas.microsoft.com/office/powerpoint/2012/main" Requires="p15">
+  <mc:AlternateContent xmlns:mc="http://schemas.openxmlformats.org/markup-compatibility/2006" xmlns:p15="http://schemas.microsoft.com/office/powerpoint/2012/main">
+    <mc:Choice Requires="p15">
       <p:transition xmlns:p14="http://schemas.microsoft.com/office/powerpoint/2010/main" spd="slow" p14:dur="2750">
         <p15:prstTrans prst="curtains"/>
       </p:transition>
     </mc:Choice>
-    <mc:Fallback>
+    <mc:Fallback xmlns="">
       <p:transition spd="slow">
         <p:fade/>
       </p:transition>
@@ -10212,8 +10223,12 @@
               <a:buAutoNum type="arabicPeriod"/>
             </a:pPr>
             <a:r>
+              <a:rPr lang="en-US" sz="2800" b="1" dirty="0"/>
+              <a:t>Replicate</a:t>
+            </a:r>
+            <a:r>
               <a:rPr lang="en-US" sz="2800" dirty="0"/>
-              <a:t>Replicate prior ERD/ERS findings</a:t>
+              <a:t> prior ERD/ERS findings</a:t>
             </a:r>
           </a:p>
           <a:p>
@@ -10222,8 +10237,12 @@
               <a:buAutoNum type="arabicPeriod"/>
             </a:pPr>
             <a:r>
+              <a:rPr lang="en-US" sz="2800" b="1" dirty="0"/>
+              <a:t>Investigate</a:t>
+            </a:r>
+            <a:r>
               <a:rPr lang="en-US" sz="2800" dirty="0"/>
-              <a:t>Investigate how power profiles during </a:t>
+              <a:t> how power profiles during </a:t>
             </a:r>
             <a:r>
               <a:rPr lang="en-US" sz="2800" u="sng" dirty="0"/>
@@ -10248,8 +10267,12 @@
               <a:buAutoNum type="arabicPeriod"/>
             </a:pPr>
             <a:r>
+              <a:rPr lang="en-US" sz="2800" b="1" dirty="0"/>
+              <a:t>Design and build </a:t>
+            </a:r>
+            <a:r>
               <a:rPr lang="en-US" sz="2800" dirty="0"/>
-              <a:t>Design and build ML pipeline to classify actual and imagined movements</a:t>
+              <a:t>ML pipeline to classify actual and imagined movements</a:t>
             </a:r>
           </a:p>
         </p:txBody>
@@ -10454,36 +10477,188 @@
           </a:prstGeom>
         </p:spPr>
       </p:pic>
-      <p:pic>
-        <p:nvPicPr>
-          <p:cNvPr id="8" name="Picture 7">
+      <p:grpSp>
+        <p:nvGrpSpPr>
+          <p:cNvPr id="12" name="Group 11">
             <a:extLst>
               <a:ext uri="{FF2B5EF4-FFF2-40B4-BE49-F238E27FC236}">
-                <a16:creationId xmlns:a16="http://schemas.microsoft.com/office/drawing/2014/main" id="{127021E7-62D4-AEC9-F2B0-C8470C8E8DE3}"/>
+                <a16:creationId xmlns:a16="http://schemas.microsoft.com/office/drawing/2014/main" id="{D8C911FA-F9A2-D023-933D-4DC9C35A999A}"/>
               </a:ext>
             </a:extLst>
           </p:cNvPr>
-          <p:cNvPicPr>
-            <a:picLocks noChangeAspect="1"/>
-          </p:cNvPicPr>
+          <p:cNvGrpSpPr/>
           <p:nvPr/>
-        </p:nvPicPr>
-        <p:blipFill>
-          <a:blip r:embed="rId5"/>
-          <a:stretch>
-            <a:fillRect/>
-          </a:stretch>
-        </p:blipFill>
-        <p:spPr>
+        </p:nvGrpSpPr>
+        <p:grpSpPr>
           <a:xfrm>
-            <a:off x="1385274" y="2308752"/>
-            <a:ext cx="9588500" cy="3695700"/>
+            <a:off x="1396583" y="3486273"/>
+            <a:ext cx="4857397" cy="1883014"/>
+            <a:chOff x="1396583" y="3486273"/>
+            <a:chExt cx="4857397" cy="1883014"/>
           </a:xfrm>
-          <a:prstGeom prst="rect">
-            <a:avLst/>
-          </a:prstGeom>
-        </p:spPr>
-      </p:pic>
+        </p:grpSpPr>
+        <p:pic>
+          <p:nvPicPr>
+            <p:cNvPr id="8" name="Picture 7">
+              <a:extLst>
+                <a:ext uri="{FF2B5EF4-FFF2-40B4-BE49-F238E27FC236}">
+                  <a16:creationId xmlns:a16="http://schemas.microsoft.com/office/drawing/2014/main" id="{127021E7-62D4-AEC9-F2B0-C8470C8E8DE3}"/>
+                </a:ext>
+              </a:extLst>
+            </p:cNvPr>
+            <p:cNvPicPr>
+              <a:picLocks noChangeAspect="1"/>
+            </p:cNvPicPr>
+            <p:nvPr/>
+          </p:nvPicPr>
+          <p:blipFill>
+            <a:blip r:embed="rId5"/>
+            <a:stretch>
+              <a:fillRect/>
+            </a:stretch>
+          </p:blipFill>
+          <p:spPr>
+            <a:xfrm>
+              <a:off x="1396583" y="3486273"/>
+              <a:ext cx="4817595" cy="1856848"/>
+            </a:xfrm>
+            <a:prstGeom prst="rect">
+              <a:avLst/>
+            </a:prstGeom>
+          </p:spPr>
+        </p:pic>
+        <p:sp>
+          <p:nvSpPr>
+            <p:cNvPr id="10" name="TextBox 9">
+              <a:extLst>
+                <a:ext uri="{FF2B5EF4-FFF2-40B4-BE49-F238E27FC236}">
+                  <a16:creationId xmlns:a16="http://schemas.microsoft.com/office/drawing/2014/main" id="{03B021EA-0CE4-9B82-D490-4C7E22F194D7}"/>
+                </a:ext>
+              </a:extLst>
+            </p:cNvPr>
+            <p:cNvSpPr txBox="1"/>
+            <p:nvPr/>
+          </p:nvSpPr>
+          <p:spPr>
+            <a:xfrm>
+              <a:off x="5316923" y="5061510"/>
+              <a:ext cx="937057" cy="307777"/>
+            </a:xfrm>
+            <a:prstGeom prst="rect">
+              <a:avLst/>
+            </a:prstGeom>
+            <a:noFill/>
+          </p:spPr>
+          <p:txBody>
+            <a:bodyPr wrap="square" rtlCol="0">
+              <a:spAutoFit/>
+            </a:bodyPr>
+            <a:lstStyle/>
+            <a:p>
+              <a:pPr algn="ctr"/>
+              <a:r>
+                <a:rPr lang="en-US" sz="700" dirty="0">
+                  <a:solidFill>
+                    <a:schemeClr val="bg1"/>
+                  </a:solidFill>
+                </a:rPr>
+                <a:t>relative change from baseline</a:t>
+              </a:r>
+            </a:p>
+          </p:txBody>
+        </p:sp>
+      </p:grpSp>
+      <p:grpSp>
+        <p:nvGrpSpPr>
+          <p:cNvPr id="13" name="Group 12">
+            <a:extLst>
+              <a:ext uri="{FF2B5EF4-FFF2-40B4-BE49-F238E27FC236}">
+                <a16:creationId xmlns:a16="http://schemas.microsoft.com/office/drawing/2014/main" id="{FEA09E9A-887C-508E-D252-E741C8F75B84}"/>
+              </a:ext>
+            </a:extLst>
+          </p:cNvPr>
+          <p:cNvGrpSpPr/>
+          <p:nvPr/>
+        </p:nvGrpSpPr>
+        <p:grpSpPr>
+          <a:xfrm>
+            <a:off x="6385017" y="3496122"/>
+            <a:ext cx="4878928" cy="1890098"/>
+            <a:chOff x="6385017" y="3496122"/>
+            <a:chExt cx="4878928" cy="1890098"/>
+          </a:xfrm>
+        </p:grpSpPr>
+        <p:pic>
+          <p:nvPicPr>
+            <p:cNvPr id="9" name="Picture 8">
+              <a:extLst>
+                <a:ext uri="{FF2B5EF4-FFF2-40B4-BE49-F238E27FC236}">
+                  <a16:creationId xmlns:a16="http://schemas.microsoft.com/office/drawing/2014/main" id="{70B9228F-164C-9EAA-0C23-CEDDB06CAE45}"/>
+                </a:ext>
+              </a:extLst>
+            </p:cNvPr>
+            <p:cNvPicPr>
+              <a:picLocks noChangeAspect="1"/>
+            </p:cNvPicPr>
+            <p:nvPr/>
+          </p:nvPicPr>
+          <p:blipFill>
+            <a:blip r:embed="rId6"/>
+            <a:stretch>
+              <a:fillRect/>
+            </a:stretch>
+          </p:blipFill>
+          <p:spPr>
+            <a:xfrm>
+              <a:off x="6385017" y="3496122"/>
+              <a:ext cx="4815997" cy="1856232"/>
+            </a:xfrm>
+            <a:prstGeom prst="rect">
+              <a:avLst/>
+            </a:prstGeom>
+          </p:spPr>
+        </p:pic>
+        <p:sp>
+          <p:nvSpPr>
+            <p:cNvPr id="11" name="TextBox 10">
+              <a:extLst>
+                <a:ext uri="{FF2B5EF4-FFF2-40B4-BE49-F238E27FC236}">
+                  <a16:creationId xmlns:a16="http://schemas.microsoft.com/office/drawing/2014/main" id="{B5168AC8-2482-352D-B820-171FDF3E0502}"/>
+                </a:ext>
+              </a:extLst>
+            </p:cNvPr>
+            <p:cNvSpPr txBox="1"/>
+            <p:nvPr/>
+          </p:nvSpPr>
+          <p:spPr>
+            <a:xfrm>
+              <a:off x="10326888" y="5078443"/>
+              <a:ext cx="937057" cy="307777"/>
+            </a:xfrm>
+            <a:prstGeom prst="rect">
+              <a:avLst/>
+            </a:prstGeom>
+            <a:noFill/>
+          </p:spPr>
+          <p:txBody>
+            <a:bodyPr wrap="square" rtlCol="0">
+              <a:spAutoFit/>
+            </a:bodyPr>
+            <a:lstStyle/>
+            <a:p>
+              <a:pPr algn="ctr"/>
+              <a:r>
+                <a:rPr lang="en-US" sz="700" dirty="0">
+                  <a:solidFill>
+                    <a:schemeClr val="bg1"/>
+                  </a:solidFill>
+                </a:rPr>
+                <a:t>relative change from baseline</a:t>
+              </a:r>
+            </a:p>
+          </p:txBody>
+        </p:sp>
+      </p:grpSp>
     </p:spTree>
     <p:extLst>
       <p:ext uri="{BB962C8B-B14F-4D97-AF65-F5344CB8AC3E}">
@@ -10518,66 +10693,133 @@
                             </p:stCondLst>
                             <p:childTnLst>
                               <p:par>
-                                <p:cTn id="5" presetID="2" presetClass="exit" presetSubtype="4" fill="hold" nodeType="clickEffect">
+                                <p:cTn id="5" presetID="9" presetClass="entr" presetSubtype="0" fill="hold" nodeType="clickEffect">
                                   <p:stCondLst>
                                     <p:cond delay="0"/>
                                   </p:stCondLst>
                                   <p:childTnLst>
-                                    <p:anim calcmode="lin" valueType="num">
-                                      <p:cBhvr additive="base">
-                                        <p:cTn id="6" dur="500"/>
+                                    <p:set>
+                                      <p:cBhvr>
+                                        <p:cTn id="6" dur="1" fill="hold">
+                                          <p:stCondLst>
+                                            <p:cond delay="0"/>
+                                          </p:stCondLst>
+                                        </p:cTn>
                                         <p:tgtEl>
-                                          <p:spTgt spid="8"/>
+                                          <p:spTgt spid="4"/>
                                         </p:tgtEl>
                                         <p:attrNameLst>
-                                          <p:attrName>ppt_x</p:attrName>
+                                          <p:attrName>style.visibility</p:attrName>
                                         </p:attrNameLst>
                                       </p:cBhvr>
-                                      <p:tavLst>
-                                        <p:tav tm="0">
-                                          <p:val>
-                                            <p:strVal val="ppt_x"/>
-                                          </p:val>
-                                        </p:tav>
-                                        <p:tav tm="100000">
-                                          <p:val>
-                                            <p:strVal val="ppt_x"/>
-                                          </p:val>
-                                        </p:tav>
-                                      </p:tavLst>
-                                    </p:anim>
-                                    <p:anim calcmode="lin" valueType="num">
-                                      <p:cBhvr additive="base">
+                                      <p:to>
+                                        <p:strVal val="visible"/>
+                                      </p:to>
+                                    </p:set>
+                                    <p:animEffect transition="in" filter="dissolve">
+                                      <p:cBhvr>
                                         <p:cTn id="7" dur="500"/>
                                         <p:tgtEl>
-                                          <p:spTgt spid="8"/>
+                                          <p:spTgt spid="4"/>
+                                        </p:tgtEl>
+                                      </p:cBhvr>
+                                    </p:animEffect>
+                                  </p:childTnLst>
+                                </p:cTn>
+                              </p:par>
+                              <p:par>
+                                <p:cTn id="8" presetID="9" presetClass="entr" presetSubtype="0" fill="hold" nodeType="withEffect">
+                                  <p:stCondLst>
+                                    <p:cond delay="0"/>
+                                  </p:stCondLst>
+                                  <p:childTnLst>
+                                    <p:set>
+                                      <p:cBhvr>
+                                        <p:cTn id="9" dur="1" fill="hold">
+                                          <p:stCondLst>
+                                            <p:cond delay="0"/>
+                                          </p:stCondLst>
+                                        </p:cTn>
+                                        <p:tgtEl>
+                                          <p:spTgt spid="3"/>
                                         </p:tgtEl>
                                         <p:attrNameLst>
-                                          <p:attrName>ppt_y</p:attrName>
+                                          <p:attrName>style.visibility</p:attrName>
                                         </p:attrNameLst>
                                       </p:cBhvr>
-                                      <p:tavLst>
-                                        <p:tav tm="0">
-                                          <p:val>
-                                            <p:strVal val="ppt_y"/>
-                                          </p:val>
-                                        </p:tav>
-                                        <p:tav tm="100000">
-                                          <p:val>
-                                            <p:strVal val="1+ppt_h/2"/>
-                                          </p:val>
-                                        </p:tav>
-                                      </p:tavLst>
-                                    </p:anim>
+                                      <p:to>
+                                        <p:strVal val="visible"/>
+                                      </p:to>
+                                    </p:set>
+                                    <p:animEffect transition="in" filter="dissolve">
+                                      <p:cBhvr>
+                                        <p:cTn id="10" dur="500"/>
+                                        <p:tgtEl>
+                                          <p:spTgt spid="3"/>
+                                        </p:tgtEl>
+                                      </p:cBhvr>
+                                    </p:animEffect>
+                                  </p:childTnLst>
+                                </p:cTn>
+                              </p:par>
+                              <p:par>
+                                <p:cTn id="11" presetID="9" presetClass="exit" presetSubtype="0" fill="hold" nodeType="withEffect">
+                                  <p:stCondLst>
+                                    <p:cond delay="0"/>
+                                  </p:stCondLst>
+                                  <p:childTnLst>
+                                    <p:animEffect transition="out" filter="dissolve">
+                                      <p:cBhvr>
+                                        <p:cTn id="12" dur="500"/>
+                                        <p:tgtEl>
+                                          <p:spTgt spid="12"/>
+                                        </p:tgtEl>
+                                      </p:cBhvr>
+                                    </p:animEffect>
                                     <p:set>
                                       <p:cBhvr>
-                                        <p:cTn id="8" dur="1" fill="hold">
+                                        <p:cTn id="13" dur="1" fill="hold">
                                           <p:stCondLst>
                                             <p:cond delay="499"/>
                                           </p:stCondLst>
                                         </p:cTn>
                                         <p:tgtEl>
-                                          <p:spTgt spid="8"/>
+                                          <p:spTgt spid="12"/>
+                                        </p:tgtEl>
+                                        <p:attrNameLst>
+                                          <p:attrName>style.visibility</p:attrName>
+                                        </p:attrNameLst>
+                                      </p:cBhvr>
+                                      <p:to>
+                                        <p:strVal val="hidden"/>
+                                      </p:to>
+                                    </p:set>
+                                  </p:childTnLst>
+                                </p:cTn>
+                              </p:par>
+                              <p:par>
+                                <p:cTn id="14" presetID="9" presetClass="exit" presetSubtype="0" fill="hold" nodeType="withEffect">
+                                  <p:stCondLst>
+                                    <p:cond delay="0"/>
+                                  </p:stCondLst>
+                                  <p:childTnLst>
+                                    <p:animEffect transition="out" filter="dissolve">
+                                      <p:cBhvr>
+                                        <p:cTn id="15" dur="500"/>
+                                        <p:tgtEl>
+                                          <p:spTgt spid="13"/>
+                                        </p:tgtEl>
+                                      </p:cBhvr>
+                                    </p:animEffect>
+                                    <p:set>
+                                      <p:cBhvr>
+                                        <p:cTn id="16" dur="1" fill="hold">
+                                          <p:stCondLst>
+                                            <p:cond delay="499"/>
+                                          </p:stCondLst>
+                                        </p:cTn>
+                                        <p:tgtEl>
+                                          <p:spTgt spid="13"/>
                                         </p:tgtEl>
                                         <p:attrNameLst>
                                           <p:attrName>style.visibility</p:attrName>
@@ -10808,7 +11050,7 @@
             <a:pPr algn="ctr"/>
             <a:r>
               <a:rPr lang="en-US" sz="2400" dirty="0"/>
-              <a:t>To what extent do lower frequency bands distinguish actual versus imagined movement (without high gamma)?</a:t>
+              <a:t>To what extent do lower frequency bands distinguish actual versus imagined movement?</a:t>
             </a:r>
           </a:p>
         </p:txBody>

--- a/presentation/presentation.pptx
+++ b/presentation/presentation.pptx
@@ -214,7 +214,7 @@
           <a:p>
             <a:fld id="{9C32196E-C02A-E443-B7E9-38C675B774EA}" type="datetimeFigureOut">
               <a:rPr lang="en-US" smtClean="0"/>
-              <a:t>7/28/22</a:t>
+              <a:t>7/29/22</a:t>
             </a:fld>
             <a:endParaRPr lang="en-US"/>
           </a:p>
@@ -1981,7 +1981,7 @@
           <a:p>
             <a:fld id="{BA34DE39-8910-D246-A417-9A1ACFC10643}" type="datetimeFigureOut">
               <a:rPr lang="en-US" smtClean="0"/>
-              <a:t>7/28/22</a:t>
+              <a:t>7/29/22</a:t>
             </a:fld>
             <a:endParaRPr lang="en-US"/>
           </a:p>
@@ -2275,7 +2275,7 @@
           <a:p>
             <a:fld id="{BA34DE39-8910-D246-A417-9A1ACFC10643}" type="datetimeFigureOut">
               <a:rPr lang="en-US" smtClean="0"/>
-              <a:t>7/28/22</a:t>
+              <a:t>7/29/22</a:t>
             </a:fld>
             <a:endParaRPr lang="en-US"/>
           </a:p>
@@ -2578,7 +2578,7 @@
           <a:p>
             <a:fld id="{BA34DE39-8910-D246-A417-9A1ACFC10643}" type="datetimeFigureOut">
               <a:rPr lang="en-US" smtClean="0"/>
-              <a:t>7/28/22</a:t>
+              <a:t>7/29/22</a:t>
             </a:fld>
             <a:endParaRPr lang="en-US"/>
           </a:p>
@@ -2839,7 +2839,7 @@
           <a:p>
             <a:fld id="{BA34DE39-8910-D246-A417-9A1ACFC10643}" type="datetimeFigureOut">
               <a:rPr lang="en-US" smtClean="0"/>
-              <a:t>7/28/22</a:t>
+              <a:t>7/29/22</a:t>
             </a:fld>
             <a:endParaRPr lang="en-US"/>
           </a:p>
@@ -3206,7 +3206,7 @@
           <a:p>
             <a:fld id="{BA34DE39-8910-D246-A417-9A1ACFC10643}" type="datetimeFigureOut">
               <a:rPr lang="en-US" smtClean="0"/>
-              <a:t>7/28/22</a:t>
+              <a:t>7/29/22</a:t>
             </a:fld>
             <a:endParaRPr lang="en-US"/>
           </a:p>
@@ -3521,7 +3521,7 @@
           <a:p>
             <a:fld id="{BA34DE39-8910-D246-A417-9A1ACFC10643}" type="datetimeFigureOut">
               <a:rPr lang="en-US" smtClean="0"/>
-              <a:t>7/28/22</a:t>
+              <a:t>7/29/22</a:t>
             </a:fld>
             <a:endParaRPr lang="en-US"/>
           </a:p>
@@ -4066,7 +4066,7 @@
           <a:p>
             <a:fld id="{BA34DE39-8910-D246-A417-9A1ACFC10643}" type="datetimeFigureOut">
               <a:rPr lang="en-US" smtClean="0"/>
-              <a:t>7/28/22</a:t>
+              <a:t>7/29/22</a:t>
             </a:fld>
             <a:endParaRPr lang="en-US"/>
           </a:p>
@@ -4262,7 +4262,7 @@
           <a:p>
             <a:fld id="{BA34DE39-8910-D246-A417-9A1ACFC10643}" type="datetimeFigureOut">
               <a:rPr lang="en-US" smtClean="0"/>
-              <a:t>7/28/22</a:t>
+              <a:t>7/29/22</a:t>
             </a:fld>
             <a:endParaRPr lang="en-US"/>
           </a:p>
@@ -4476,7 +4476,7 @@
           <a:p>
             <a:fld id="{BA34DE39-8910-D246-A417-9A1ACFC10643}" type="datetimeFigureOut">
               <a:rPr lang="en-US" smtClean="0"/>
-              <a:t>7/28/22</a:t>
+              <a:t>7/29/22</a:t>
             </a:fld>
             <a:endParaRPr lang="en-US"/>
           </a:p>
@@ -4846,7 +4846,7 @@
           <a:p>
             <a:fld id="{BA34DE39-8910-D246-A417-9A1ACFC10643}" type="datetimeFigureOut">
               <a:rPr lang="en-US" smtClean="0"/>
-              <a:t>7/28/22</a:t>
+              <a:t>7/29/22</a:t>
             </a:fld>
             <a:endParaRPr lang="en-US"/>
           </a:p>
@@ -5250,7 +5250,7 @@
           <a:p>
             <a:fld id="{BA34DE39-8910-D246-A417-9A1ACFC10643}" type="datetimeFigureOut">
               <a:rPr lang="en-US" smtClean="0"/>
-              <a:t>7/28/22</a:t>
+              <a:t>7/29/22</a:t>
             </a:fld>
             <a:endParaRPr lang="en-US"/>
           </a:p>
@@ -5562,7 +5562,7 @@
           <a:p>
             <a:fld id="{BA34DE39-8910-D246-A417-9A1ACFC10643}" type="datetimeFigureOut">
               <a:rPr lang="en-US" smtClean="0"/>
-              <a:t>7/28/22</a:t>
+              <a:t>7/29/22</a:t>
             </a:fld>
             <a:endParaRPr lang="en-US"/>
           </a:p>
@@ -9333,40 +9333,12 @@
           <a:chExt cx="0" cy="0"/>
         </a:xfrm>
       </p:grpSpPr>
-      <p:sp>
-        <p:nvSpPr>
-          <p:cNvPr id="2" name="Title 1">
+      <p:pic>
+        <p:nvPicPr>
+          <p:cNvPr id="6" name="Picture 5">
             <a:extLst>
               <a:ext uri="{FF2B5EF4-FFF2-40B4-BE49-F238E27FC236}">
-                <a16:creationId xmlns:a16="http://schemas.microsoft.com/office/drawing/2014/main" id="{AB229146-3FFE-7BBC-BD99-EA8A1D03F50B}"/>
-              </a:ext>
-            </a:extLst>
-          </p:cNvPr>
-          <p:cNvSpPr>
-            <a:spLocks noGrp="1"/>
-          </p:cNvSpPr>
-          <p:nvPr>
-            <p:ph type="title"/>
-          </p:nvPr>
-        </p:nvSpPr>
-        <p:spPr/>
-        <p:txBody>
-          <a:bodyPr/>
-          <a:lstStyle/>
-          <a:p>
-            <a:r>
-              <a:rPr lang="en-US" dirty="0"/>
-              <a:t>Methods</a:t>
-            </a:r>
-          </a:p>
-        </p:txBody>
-      </p:sp>
-      <p:pic>
-        <p:nvPicPr>
-          <p:cNvPr id="4" name="Picture 3">
-            <a:extLst>
-              <a:ext uri="{FF2B5EF4-FFF2-40B4-BE49-F238E27FC236}">
-                <a16:creationId xmlns:a16="http://schemas.microsoft.com/office/drawing/2014/main" id="{F103B14D-9DB1-19A9-1C07-B29DECF54C2A}"/>
+                <a16:creationId xmlns:a16="http://schemas.microsoft.com/office/drawing/2014/main" id="{AF957F1B-D533-623E-2A28-8A6E982D47C8}"/>
               </a:ext>
             </a:extLst>
           </p:cNvPr>
@@ -9383,14 +9355,42 @@
         </p:blipFill>
         <p:spPr>
           <a:xfrm>
-            <a:off x="1891585" y="1663609"/>
-            <a:ext cx="8408830" cy="4868270"/>
+            <a:off x="1891584" y="1663608"/>
+            <a:ext cx="8408829" cy="4868269"/>
           </a:xfrm>
           <a:prstGeom prst="rect">
             <a:avLst/>
           </a:prstGeom>
         </p:spPr>
       </p:pic>
+      <p:sp>
+        <p:nvSpPr>
+          <p:cNvPr id="2" name="Title 1">
+            <a:extLst>
+              <a:ext uri="{FF2B5EF4-FFF2-40B4-BE49-F238E27FC236}">
+                <a16:creationId xmlns:a16="http://schemas.microsoft.com/office/drawing/2014/main" id="{AB229146-3FFE-7BBC-BD99-EA8A1D03F50B}"/>
+              </a:ext>
+            </a:extLst>
+          </p:cNvPr>
+          <p:cNvSpPr>
+            <a:spLocks noGrp="1"/>
+          </p:cNvSpPr>
+          <p:nvPr>
+            <p:ph type="title"/>
+          </p:nvPr>
+        </p:nvSpPr>
+        <p:spPr/>
+        <p:txBody>
+          <a:bodyPr/>
+          <a:lstStyle/>
+          <a:p>
+            <a:r>
+              <a:rPr lang="en-US" dirty="0"/>
+              <a:t>Methods</a:t>
+            </a:r>
+          </a:p>
+        </p:txBody>
+      </p:sp>
       <p:sp>
         <p:nvSpPr>
           <p:cNvPr id="5" name="TextBox 4">
@@ -10987,80 +10987,12 @@
           <a:chExt cx="0" cy="0"/>
         </a:xfrm>
       </p:grpSpPr>
-      <p:sp>
-        <p:nvSpPr>
-          <p:cNvPr id="2" name="Title 1">
+      <p:pic>
+        <p:nvPicPr>
+          <p:cNvPr id="5" name="Picture 4">
             <a:extLst>
               <a:ext uri="{FF2B5EF4-FFF2-40B4-BE49-F238E27FC236}">
-                <a16:creationId xmlns:a16="http://schemas.microsoft.com/office/drawing/2014/main" id="{AB229146-3FFE-7BBC-BD99-EA8A1D03F50B}"/>
-              </a:ext>
-            </a:extLst>
-          </p:cNvPr>
-          <p:cNvSpPr>
-            <a:spLocks noGrp="1"/>
-          </p:cNvSpPr>
-          <p:nvPr>
-            <p:ph type="title"/>
-          </p:nvPr>
-        </p:nvSpPr>
-        <p:spPr/>
-        <p:txBody>
-          <a:bodyPr/>
-          <a:lstStyle/>
-          <a:p>
-            <a:r>
-              <a:rPr lang="en-US" dirty="0"/>
-              <a:t>Aim 3</a:t>
-            </a:r>
-            <a:br>
-              <a:rPr lang="en-US" dirty="0"/>
-            </a:br>
-            <a:endParaRPr lang="en-US" sz="2400" dirty="0"/>
-          </a:p>
-        </p:txBody>
-      </p:sp>
-      <p:sp>
-        <p:nvSpPr>
-          <p:cNvPr id="3" name="TextBox 2">
-            <a:extLst>
-              <a:ext uri="{FF2B5EF4-FFF2-40B4-BE49-F238E27FC236}">
-                <a16:creationId xmlns:a16="http://schemas.microsoft.com/office/drawing/2014/main" id="{83F81FE4-8BCF-99C6-88B4-E38B20080945}"/>
-              </a:ext>
-            </a:extLst>
-          </p:cNvPr>
-          <p:cNvSpPr txBox="1"/>
-          <p:nvPr/>
-        </p:nvSpPr>
-        <p:spPr>
-          <a:xfrm>
-            <a:off x="1975138" y="1451875"/>
-            <a:ext cx="8241723" cy="830997"/>
-          </a:xfrm>
-          <a:prstGeom prst="rect">
-            <a:avLst/>
-          </a:prstGeom>
-          <a:noFill/>
-        </p:spPr>
-        <p:txBody>
-          <a:bodyPr wrap="square" rtlCol="0">
-            <a:spAutoFit/>
-          </a:bodyPr>
-          <a:lstStyle/>
-          <a:p>
-            <a:pPr algn="ctr"/>
-            <a:r>
-              <a:rPr lang="en-US" sz="2400" dirty="0"/>
-              <a:t>To what extent do lower frequency bands distinguish actual versus imagined movement?</a:t>
-            </a:r>
-          </a:p>
-        </p:txBody>
-      </p:sp>
-      <p:pic>
-        <p:nvPicPr>
-          <p:cNvPr id="11" name="Picture 10">
-            <a:extLst>
-              <a:ext uri="{FF2B5EF4-FFF2-40B4-BE49-F238E27FC236}">
-                <a16:creationId xmlns:a16="http://schemas.microsoft.com/office/drawing/2014/main" id="{0E4E12B8-AFBE-63C7-F2EB-DDA6070D5F8E}"/>
+                <a16:creationId xmlns:a16="http://schemas.microsoft.com/office/drawing/2014/main" id="{B76EC2BC-AE77-8A1C-6EED-655AFF42A68E}"/>
               </a:ext>
             </a:extLst>
           </p:cNvPr>
@@ -11077,8 +11009,8 @@
         </p:blipFill>
         <p:spPr>
           <a:xfrm>
-            <a:off x="1311693" y="3370964"/>
-            <a:ext cx="2155889" cy="1853421"/>
+            <a:off x="2796036" y="2503364"/>
+            <a:ext cx="7006326" cy="4056294"/>
           </a:xfrm>
           <a:prstGeom prst="rect">
             <a:avLst/>
@@ -11087,10 +11019,42 @@
       </p:pic>
       <p:sp>
         <p:nvSpPr>
-          <p:cNvPr id="12" name="TextBox 11">
+          <p:cNvPr id="2" name="Title 1">
             <a:extLst>
               <a:ext uri="{FF2B5EF4-FFF2-40B4-BE49-F238E27FC236}">
-                <a16:creationId xmlns:a16="http://schemas.microsoft.com/office/drawing/2014/main" id="{4FE1524C-CBDC-DACD-BD1B-3F70BB278770}"/>
+                <a16:creationId xmlns:a16="http://schemas.microsoft.com/office/drawing/2014/main" id="{AB229146-3FFE-7BBC-BD99-EA8A1D03F50B}"/>
+              </a:ext>
+            </a:extLst>
+          </p:cNvPr>
+          <p:cNvSpPr>
+            <a:spLocks noGrp="1"/>
+          </p:cNvSpPr>
+          <p:nvPr>
+            <p:ph type="title"/>
+          </p:nvPr>
+        </p:nvSpPr>
+        <p:spPr/>
+        <p:txBody>
+          <a:bodyPr/>
+          <a:lstStyle/>
+          <a:p>
+            <a:r>
+              <a:rPr lang="en-US" dirty="0"/>
+              <a:t>Aim 3</a:t>
+            </a:r>
+            <a:br>
+              <a:rPr lang="en-US" dirty="0"/>
+            </a:br>
+            <a:endParaRPr lang="en-US" sz="2400" dirty="0"/>
+          </a:p>
+        </p:txBody>
+      </p:sp>
+      <p:sp>
+        <p:nvSpPr>
+          <p:cNvPr id="3" name="TextBox 2">
+            <a:extLst>
+              <a:ext uri="{FF2B5EF4-FFF2-40B4-BE49-F238E27FC236}">
+                <a16:creationId xmlns:a16="http://schemas.microsoft.com/office/drawing/2014/main" id="{83F81FE4-8BCF-99C6-88B4-E38B20080945}"/>
               </a:ext>
             </a:extLst>
           </p:cNvPr>
@@ -11099,8 +11063,8 @@
         </p:nvSpPr>
         <p:spPr>
           <a:xfrm>
-            <a:off x="2088913" y="5194567"/>
-            <a:ext cx="1414246" cy="276999"/>
+            <a:off x="1975138" y="1451875"/>
+            <a:ext cx="8241723" cy="830997"/>
           </a:xfrm>
           <a:prstGeom prst="rect">
             <a:avLst/>
@@ -11108,24 +11072,25 @@
           <a:noFill/>
         </p:spPr>
         <p:txBody>
-          <a:bodyPr vert="horz" wrap="square" rtlCol="0">
+          <a:bodyPr wrap="square" rtlCol="0">
             <a:spAutoFit/>
           </a:bodyPr>
           <a:lstStyle/>
           <a:p>
-            <a:r>
-              <a:rPr lang="en-US" sz="1200" dirty="0"/>
-              <a:t>Miller et al. (2010)</a:t>
+            <a:pPr algn="ctr"/>
+            <a:r>
+              <a:rPr lang="en-US" sz="2400" dirty="0"/>
+              <a:t>To what extent do lower frequency bands distinguish actual versus imagined movement?</a:t>
             </a:r>
           </a:p>
         </p:txBody>
       </p:sp>
       <p:pic>
         <p:nvPicPr>
-          <p:cNvPr id="14" name="Picture 13">
+          <p:cNvPr id="11" name="Picture 10">
             <a:extLst>
               <a:ext uri="{FF2B5EF4-FFF2-40B4-BE49-F238E27FC236}">
-                <a16:creationId xmlns:a16="http://schemas.microsoft.com/office/drawing/2014/main" id="{710C6974-0C57-ED76-569D-04DD0DE8D808}"/>
+                <a16:creationId xmlns:a16="http://schemas.microsoft.com/office/drawing/2014/main" id="{0E4E12B8-AFBE-63C7-F2EB-DDA6070D5F8E}"/>
               </a:ext>
             </a:extLst>
           </p:cNvPr>
@@ -11142,14 +11107,49 @@
         </p:blipFill>
         <p:spPr>
           <a:xfrm>
-            <a:off x="2796036" y="2503364"/>
-            <a:ext cx="7006326" cy="4056294"/>
+            <a:off x="1311693" y="3370964"/>
+            <a:ext cx="2155889" cy="1853421"/>
           </a:xfrm>
           <a:prstGeom prst="rect">
             <a:avLst/>
           </a:prstGeom>
         </p:spPr>
       </p:pic>
+      <p:sp>
+        <p:nvSpPr>
+          <p:cNvPr id="12" name="TextBox 11">
+            <a:extLst>
+              <a:ext uri="{FF2B5EF4-FFF2-40B4-BE49-F238E27FC236}">
+                <a16:creationId xmlns:a16="http://schemas.microsoft.com/office/drawing/2014/main" id="{4FE1524C-CBDC-DACD-BD1B-3F70BB278770}"/>
+              </a:ext>
+            </a:extLst>
+          </p:cNvPr>
+          <p:cNvSpPr txBox="1"/>
+          <p:nvPr/>
+        </p:nvSpPr>
+        <p:spPr>
+          <a:xfrm>
+            <a:off x="2088913" y="5194567"/>
+            <a:ext cx="1414246" cy="276999"/>
+          </a:xfrm>
+          <a:prstGeom prst="rect">
+            <a:avLst/>
+          </a:prstGeom>
+          <a:noFill/>
+        </p:spPr>
+        <p:txBody>
+          <a:bodyPr vert="horz" wrap="square" rtlCol="0">
+            <a:spAutoFit/>
+          </a:bodyPr>
+          <a:lstStyle/>
+          <a:p>
+            <a:r>
+              <a:rPr lang="en-US" sz="1200" dirty="0"/>
+              <a:t>Miller et al. (2010)</a:t>
+            </a:r>
+          </a:p>
+        </p:txBody>
+      </p:sp>
       <p:sp>
         <p:nvSpPr>
           <p:cNvPr id="15" name="TextBox 14">

--- a/presentation/presentation.pptx
+++ b/presentation/presentation.pptx
@@ -9,8 +9,8 @@
   </p:notesMasterIdLst>
   <p:sldIdLst>
     <p:sldId id="256" r:id="rId2"/>
-    <p:sldId id="257" r:id="rId3"/>
-    <p:sldId id="268" r:id="rId4"/>
+    <p:sldId id="286" r:id="rId3"/>
+    <p:sldId id="287" r:id="rId4"/>
     <p:sldId id="263" r:id="rId5"/>
     <p:sldId id="285" r:id="rId6"/>
     <p:sldId id="277" r:id="rId7"/>
@@ -609,50 +609,10 @@
           <a:bodyPr/>
           <a:lstStyle/>
           <a:p>
-            <a:r>
-              <a:rPr lang="en-US" dirty="0"/>
-              <a:t>specific subject population reduces generalizability of findings</a:t>
-            </a:r>
-          </a:p>
-          <a:p>
-            <a:r>
-              <a:rPr lang="en-US" dirty="0"/>
-              <a:t>project time constraints led us to simplify our preprocessing:</a:t>
-            </a:r>
-          </a:p>
-          <a:p>
-            <a:pPr lvl="1"/>
-            <a:r>
-              <a:rPr lang="en-US" dirty="0"/>
-              <a:t>did not re-reference data to the average</a:t>
-            </a:r>
-          </a:p>
-          <a:p>
-            <a:pPr lvl="1"/>
-            <a:r>
-              <a:rPr lang="en-US" dirty="0"/>
-              <a:t>did not perform ICA or other methods to identify and remove noisy (or epileptic) epochs in the channels we analyzed</a:t>
-            </a:r>
-          </a:p>
-          <a:p>
-            <a:r>
-              <a:rPr lang="en-US" dirty="0"/>
-              <a:t>project time constraints led us to simplify our analyses:</a:t>
-            </a:r>
-          </a:p>
-          <a:p>
-            <a:pPr lvl="1"/>
-            <a:r>
-              <a:rPr lang="en-US" dirty="0"/>
-              <a:t>did not z-score across trials within bands before classification</a:t>
-            </a:r>
-          </a:p>
-          <a:p>
-            <a:pPr lvl="1"/>
-            <a:r>
-              <a:rPr lang="en-US" dirty="0"/>
-              <a:t>single randomized split for training/test (no thorough cross-validation)</a:t>
-            </a:r>
+            <a:pPr marL="0" indent="0">
+              <a:buNone/>
+            </a:pPr>
+            <a:endParaRPr lang="en-US" dirty="0"/>
           </a:p>
         </p:txBody>
       </p:sp>
@@ -673,7 +633,7 @@
           <a:p>
             <a:fld id="{82B4990A-4A1F-C748-A4F9-730867261A9F}" type="slidenum">
               <a:rPr lang="en-US" smtClean="0"/>
-              <a:t>11</a:t>
+              <a:t>10</a:t>
             </a:fld>
             <a:endParaRPr lang="en-US"/>
           </a:p>
@@ -682,7 +642,7 @@
     </p:spTree>
     <p:extLst>
       <p:ext uri="{BB962C8B-B14F-4D97-AF65-F5344CB8AC3E}">
-        <p14:creationId xmlns:p14="http://schemas.microsoft.com/office/powerpoint/2010/main" val="3020565872"/>
+        <p14:creationId xmlns:p14="http://schemas.microsoft.com/office/powerpoint/2010/main" val="2977355292"/>
       </p:ext>
     </p:extLst>
   </p:cSld>
@@ -736,7 +696,50 @@
           <a:bodyPr/>
           <a:lstStyle/>
           <a:p>
-            <a:endParaRPr lang="en-US" dirty="0"/>
+            <a:r>
+              <a:rPr lang="en-US" dirty="0"/>
+              <a:t>specific subject population reduces generalizability of findings</a:t>
+            </a:r>
+          </a:p>
+          <a:p>
+            <a:r>
+              <a:rPr lang="en-US" dirty="0"/>
+              <a:t>project time constraints led us to simplify our preprocessing:</a:t>
+            </a:r>
+          </a:p>
+          <a:p>
+            <a:pPr lvl="1"/>
+            <a:r>
+              <a:rPr lang="en-US" dirty="0"/>
+              <a:t>did not re-reference data to the average</a:t>
+            </a:r>
+          </a:p>
+          <a:p>
+            <a:pPr lvl="1"/>
+            <a:r>
+              <a:rPr lang="en-US" dirty="0"/>
+              <a:t>did not perform ICA or other methods to identify and remove noisy (or epileptic) epochs in the channels we analyzed</a:t>
+            </a:r>
+          </a:p>
+          <a:p>
+            <a:r>
+              <a:rPr lang="en-US" dirty="0"/>
+              <a:t>project time constraints led us to simplify our analyses:</a:t>
+            </a:r>
+          </a:p>
+          <a:p>
+            <a:pPr lvl="1"/>
+            <a:r>
+              <a:rPr lang="en-US" dirty="0"/>
+              <a:t>did not z-score across trials within bands before classification</a:t>
+            </a:r>
+          </a:p>
+          <a:p>
+            <a:pPr lvl="1"/>
+            <a:r>
+              <a:rPr lang="en-US" dirty="0"/>
+              <a:t>single randomized split for training/test (no thorough cross-validation)</a:t>
+            </a:r>
           </a:p>
         </p:txBody>
       </p:sp>
@@ -757,7 +760,7 @@
           <a:p>
             <a:fld id="{82B4990A-4A1F-C748-A4F9-730867261A9F}" type="slidenum">
               <a:rPr lang="en-US" smtClean="0"/>
-              <a:t>15</a:t>
+              <a:t>11</a:t>
             </a:fld>
             <a:endParaRPr lang="en-US"/>
           </a:p>
@@ -766,7 +769,7 @@
     </p:spTree>
     <p:extLst>
       <p:ext uri="{BB962C8B-B14F-4D97-AF65-F5344CB8AC3E}">
-        <p14:creationId xmlns:p14="http://schemas.microsoft.com/office/powerpoint/2010/main" val="164245717"/>
+        <p14:creationId xmlns:p14="http://schemas.microsoft.com/office/powerpoint/2010/main" val="3020565872"/>
       </p:ext>
     </p:extLst>
   </p:cSld>
@@ -841,6 +844,90 @@
           <a:p>
             <a:fld id="{82B4990A-4A1F-C748-A4F9-730867261A9F}" type="slidenum">
               <a:rPr lang="en-US" smtClean="0"/>
+              <a:t>15</a:t>
+            </a:fld>
+            <a:endParaRPr lang="en-US"/>
+          </a:p>
+        </p:txBody>
+      </p:sp>
+    </p:spTree>
+    <p:extLst>
+      <p:ext uri="{BB962C8B-B14F-4D97-AF65-F5344CB8AC3E}">
+        <p14:creationId xmlns:p14="http://schemas.microsoft.com/office/powerpoint/2010/main" val="164245717"/>
+      </p:ext>
+    </p:extLst>
+  </p:cSld>
+  <p:clrMapOvr>
+    <a:masterClrMapping/>
+  </p:clrMapOvr>
+</p:notes>
+</file>
+
+<file path=ppt/notesSlides/notesSlide13.xml><?xml version="1.0" encoding="utf-8"?>
+<p:notes xmlns:a="http://schemas.openxmlformats.org/drawingml/2006/main" xmlns:r="http://schemas.openxmlformats.org/officeDocument/2006/relationships" xmlns:p="http://schemas.openxmlformats.org/presentationml/2006/main">
+  <p:cSld>
+    <p:spTree>
+      <p:nvGrpSpPr>
+        <p:cNvPr id="1" name=""/>
+        <p:cNvGrpSpPr/>
+        <p:nvPr/>
+      </p:nvGrpSpPr>
+      <p:grpSpPr>
+        <a:xfrm>
+          <a:off x="0" y="0"/>
+          <a:ext cx="0" cy="0"/>
+          <a:chOff x="0" y="0"/>
+          <a:chExt cx="0" cy="0"/>
+        </a:xfrm>
+      </p:grpSpPr>
+      <p:sp>
+        <p:nvSpPr>
+          <p:cNvPr id="2" name="Slide Image Placeholder 1"/>
+          <p:cNvSpPr>
+            <a:spLocks noGrp="1" noRot="1" noChangeAspect="1"/>
+          </p:cNvSpPr>
+          <p:nvPr>
+            <p:ph type="sldImg"/>
+          </p:nvPr>
+        </p:nvSpPr>
+        <p:spPr/>
+      </p:sp>
+      <p:sp>
+        <p:nvSpPr>
+          <p:cNvPr id="3" name="Notes Placeholder 2"/>
+          <p:cNvSpPr>
+            <a:spLocks noGrp="1"/>
+          </p:cNvSpPr>
+          <p:nvPr>
+            <p:ph type="body" idx="1"/>
+          </p:nvPr>
+        </p:nvSpPr>
+        <p:spPr/>
+        <p:txBody>
+          <a:bodyPr/>
+          <a:lstStyle/>
+          <a:p>
+            <a:endParaRPr lang="en-US" dirty="0"/>
+          </a:p>
+        </p:txBody>
+      </p:sp>
+      <p:sp>
+        <p:nvSpPr>
+          <p:cNvPr id="4" name="Slide Number Placeholder 3"/>
+          <p:cNvSpPr>
+            <a:spLocks noGrp="1"/>
+          </p:cNvSpPr>
+          <p:nvPr>
+            <p:ph type="sldNum" sz="quarter" idx="5"/>
+          </p:nvPr>
+        </p:nvSpPr>
+        <p:spPr/>
+        <p:txBody>
+          <a:bodyPr/>
+          <a:lstStyle/>
+          <a:p>
+            <a:fld id="{82B4990A-4A1F-C748-A4F9-730867261A9F}" type="slidenum">
+              <a:rPr lang="en-US" smtClean="0"/>
               <a:t>16</a:t>
             </a:fld>
             <a:endParaRPr lang="en-US"/>
@@ -860,7 +947,7 @@
 </p:notes>
 </file>
 
-<file path=ppt/notesSlides/notesSlide13.xml><?xml version="1.0" encoding="utf-8"?>
+<file path=ppt/notesSlides/notesSlide14.xml><?xml version="1.0" encoding="utf-8"?>
 <p:notes xmlns:a="http://schemas.openxmlformats.org/drawingml/2006/main" xmlns:r="http://schemas.openxmlformats.org/officeDocument/2006/relationships" xmlns:p="http://schemas.openxmlformats.org/presentationml/2006/main">
   <p:cSld>
     <p:spTree>
@@ -989,61 +1076,41 @@
           <a:lstStyle/>
           <a:p>
             <a:r>
+              <a:rPr lang="en-US" dirty="0"/>
+              <a:t>EEG and </a:t>
+            </a:r>
+            <a:r>
               <a:rPr lang="en-US" dirty="0" err="1"/>
               <a:t>ECoG</a:t>
             </a:r>
             <a:r>
               <a:rPr lang="en-US" dirty="0"/>
-              <a:t> recordings from subjects undergoing treatment for medically refractory epilepsy</a:t>
-            </a:r>
-          </a:p>
-          <a:p>
-            <a:pPr>
-              <a:spcAft>
-                <a:spcPts val="0"/>
-              </a:spcAft>
-            </a:pPr>
+              <a:t> are able to measure population cortical potentials. </a:t>
+            </a:r>
+            <a:r>
+              <a:rPr lang="en-US" dirty="0" err="1"/>
+              <a:t>ECoG</a:t>
+            </a:r>
             <a:r>
               <a:rPr lang="en-US" dirty="0"/>
-              <a:t>Two interleaved tasks at rate of once per second (1 Hz), alternating between task and rest, on-screen cue:</a:t>
-            </a:r>
-          </a:p>
-          <a:p>
-            <a:pPr lvl="1">
-              <a:spcBef>
-                <a:spcPts val="0"/>
-              </a:spcBef>
-            </a:pPr>
+              <a:t> involves the placement of surface electrodes on the surface of the brain under the bone and leathery dura mater. This increases the spatial resolution and decreases noise of neuronal recordings compared to EEG. As shown in the figure on the right, power of cortical signals in low frequencies is thought to represent central modulation of cortical activity via thalamocortical or other subcortical interactions. Power in high frequencies is thought to represent local cortical circuit activity. </a:t>
+            </a:r>
+          </a:p>
+          <a:p>
+            <a:endParaRPr lang="en-US" dirty="0"/>
+          </a:p>
+          <a:p>
             <a:r>
               <a:rPr lang="en-US" dirty="0"/>
-              <a:t>hand (synchronous flexion/extension of all fingers)</a:t>
-            </a:r>
-          </a:p>
-          <a:p>
-            <a:pPr lvl="1">
-              <a:spcBef>
-                <a:spcPts val="0"/>
-              </a:spcBef>
-            </a:pPr>
+              <a:t>The figure on the right demonstrates an average power spectrum density during rest in blue and movement in red; the y-axis is power and x-axis is frequency. Prior to movement during rest, high beta power is observed in the motor cortex. The initiation of movement requires “Event related desynchronization” of the beta signal, where beta power decreases. Patients with </a:t>
+            </a:r>
+            <a:r>
+              <a:rPr lang="en-US" dirty="0" err="1"/>
+              <a:t>Parkinsons</a:t>
+            </a:r>
             <a:r>
               <a:rPr lang="en-US" dirty="0"/>
-              <a:t>tongue (protrusion/retraction of tongue with mouth open)</a:t>
-            </a:r>
-          </a:p>
-          <a:p>
-            <a:r>
-              <a:rPr lang="en-US" dirty="0"/>
-              <a:t>Two conditions: real movement, imagined movement</a:t>
-            </a:r>
-          </a:p>
-          <a:p>
-            <a:r>
-              <a:rPr lang="en-US" dirty="0" err="1"/>
-              <a:t>Dataglove</a:t>
-            </a:r>
-            <a:r>
-              <a:rPr lang="en-US" dirty="0"/>
-              <a:t> or EMG to verify absence of movement during imagined condition</a:t>
+              <a:t> disease are unable to decrease the beta power in their motor cortex and this is thought to be at least partially responsible for the bradykinesia observed. Simultaneously or slightly later, an increase in high gamma power is observed correlating with actual movement. </a:t>
             </a:r>
           </a:p>
         </p:txBody>
@@ -1065,7 +1132,7 @@
           <a:p>
             <a:fld id="{82B4990A-4A1F-C748-A4F9-730867261A9F}" type="slidenum">
               <a:rPr lang="en-US" smtClean="0"/>
-              <a:t>3</a:t>
+              <a:t>2</a:t>
             </a:fld>
             <a:endParaRPr lang="en-US"/>
           </a:p>
@@ -1074,7 +1141,7 @@
     </p:spTree>
     <p:extLst>
       <p:ext uri="{BB962C8B-B14F-4D97-AF65-F5344CB8AC3E}">
-        <p14:creationId xmlns:p14="http://schemas.microsoft.com/office/powerpoint/2010/main" val="2235241307"/>
+        <p14:creationId xmlns:p14="http://schemas.microsoft.com/office/powerpoint/2010/main" val="4769143"/>
       </p:ext>
     </p:extLst>
   </p:cSld>
@@ -1128,36 +1195,7 @@
           <a:bodyPr/>
           <a:lstStyle/>
           <a:p>
-            <a:pPr marL="0" indent="0">
-              <a:buNone/>
-            </a:pPr>
-            <a:r>
-              <a:rPr lang="en-US" b="1" u="sng" dirty="0"/>
-              <a:t>Hypotheses</a:t>
-            </a:r>
-          </a:p>
-          <a:p>
-            <a:pPr marL="457200" indent="-457200">
-              <a:buFont typeface="+mj-lt"/>
-              <a:buAutoNum type="alphaUcPeriod"/>
-            </a:pPr>
-            <a:r>
-              <a:rPr lang="en-US" dirty="0"/>
-              <a:t>Similar ERD in beta frequency between actual and imagined</a:t>
-            </a:r>
-          </a:p>
-          <a:p>
-            <a:pPr marL="457200" indent="-457200">
-              <a:buFont typeface="+mj-lt"/>
-              <a:buAutoNum type="alphaUcPeriod"/>
-            </a:pPr>
-            <a:r>
-              <a:rPr lang="en-US" dirty="0"/>
-              <a:t>Attenuated changes in high gamma frequency for imagined movements in comparison with actual movements</a:t>
-            </a:r>
-          </a:p>
-          <a:p>
-            <a:pPr marL="457200" marR="0" lvl="0" indent="-457200" algn="l" defTabSz="914400" rtl="0" eaLnBrk="1" fontAlgn="auto" latinLnBrk="0" hangingPunct="1">
+            <a:pPr marL="0" marR="0" lvl="0" indent="0" algn="l" defTabSz="914400" rtl="0" eaLnBrk="1" fontAlgn="auto" latinLnBrk="0" hangingPunct="1">
               <a:lnSpc>
                 <a:spcPct val="100000"/>
               </a:lnSpc>
@@ -1169,18 +1207,90 @@
               </a:spcAft>
               <a:buClrTx/>
               <a:buSzTx/>
-              <a:buFont typeface="+mj-lt"/>
-              <a:buAutoNum type="alphaUcPeriod"/>
+              <a:buFontTx/>
+              <a:buNone/>
               <a:tabLst/>
               <a:defRPr/>
             </a:pPr>
             <a:r>
-              <a:rPr lang="en-US" sz="1200" dirty="0"/>
-              <a:t>(with and without high gamma) </a:t>
-            </a:r>
-            <a:r>
               <a:rPr lang="en-US" dirty="0"/>
-              <a:t>Low frequency only models will significantly underperform in the discrimination task</a:t>
+              <a:t>With this in mind, we were curious about how these dynamics differed in imagined and actual movement. Subjects undergoing </a:t>
+            </a:r>
+            <a:r>
+              <a:rPr lang="en-US" dirty="0" err="1"/>
+              <a:t>ECoG</a:t>
+            </a:r>
+            <a:r>
+              <a:rPr lang="en-US" dirty="0"/>
+              <a:t> monitoring for medically refractory epilepsy participated in two interleaved tasks of hand grip and tongue protrusion  at rate of once per second (1 Hz), alternating between task and rest cued by a screen. on-screen cue. In the first trial, </a:t>
+            </a:r>
+            <a:r>
+              <a:rPr lang="en-US" dirty="0" err="1"/>
+              <a:t>pateints</a:t>
+            </a:r>
+            <a:r>
+              <a:rPr lang="en-US" dirty="0"/>
+              <a:t> were asked to complete the actual movement; in the second trial they were asked to “imagine what it would feel like to complete the movement”. </a:t>
+            </a:r>
+            <a:r>
+              <a:rPr lang="en-US" dirty="0" err="1"/>
+              <a:t>Dataglove</a:t>
+            </a:r>
+            <a:r>
+              <a:rPr lang="en-US" dirty="0"/>
+              <a:t> or </a:t>
+            </a:r>
+            <a:r>
+              <a:rPr lang="en-US" dirty="0" err="1"/>
+              <a:t>sublinguakl</a:t>
+            </a:r>
+            <a:r>
+              <a:rPr lang="en-US" dirty="0"/>
+              <a:t> </a:t>
+            </a:r>
+            <a:r>
+              <a:rPr lang="en-US"/>
+              <a:t>EMG were used </a:t>
+            </a:r>
+            <a:r>
+              <a:rPr lang="en-US" dirty="0"/>
+              <a:t>to verify absence of movement during </a:t>
+            </a:r>
+            <a:r>
+              <a:rPr lang="en-US"/>
+              <a:t>imagined condition.</a:t>
+            </a:r>
+            <a:endParaRPr lang="en-US" dirty="0"/>
+          </a:p>
+          <a:p>
+            <a:endParaRPr lang="en-US" dirty="0"/>
+          </a:p>
+          <a:p>
+            <a:pPr lvl="1">
+              <a:spcBef>
+                <a:spcPts val="0"/>
+              </a:spcBef>
+            </a:pPr>
+            <a:r>
+              <a:rPr lang="en-US" dirty="0"/>
+              <a:t>hand (synchronous flexion/extension of all fingers)</a:t>
+            </a:r>
+          </a:p>
+          <a:p>
+            <a:pPr lvl="1">
+              <a:spcBef>
+                <a:spcPts val="0"/>
+              </a:spcBef>
+            </a:pPr>
+            <a:r>
+              <a:rPr lang="en-US" dirty="0"/>
+              <a:t>tongue (protrusion/retraction of tongue with mouth open)</a:t>
+            </a:r>
+          </a:p>
+          <a:p>
+            <a:r>
+              <a:rPr lang="en-US" dirty="0"/>
+              <a:t>Two conditions: real movement, imagined movement</a:t>
             </a:r>
           </a:p>
         </p:txBody>
@@ -1202,7 +1312,7 @@
           <a:p>
             <a:fld id="{82B4990A-4A1F-C748-A4F9-730867261A9F}" type="slidenum">
               <a:rPr lang="en-US" smtClean="0"/>
-              <a:t>4</a:t>
+              <a:t>3</a:t>
             </a:fld>
             <a:endParaRPr lang="en-US"/>
           </a:p>
@@ -1211,7 +1321,7 @@
     </p:spTree>
     <p:extLst>
       <p:ext uri="{BB962C8B-B14F-4D97-AF65-F5344CB8AC3E}">
-        <p14:creationId xmlns:p14="http://schemas.microsoft.com/office/powerpoint/2010/main" val="2401526002"/>
+        <p14:creationId xmlns:p14="http://schemas.microsoft.com/office/powerpoint/2010/main" val="2235241307"/>
       </p:ext>
     </p:extLst>
   </p:cSld>
@@ -1265,9 +1375,59 @@
           <a:bodyPr/>
           <a:lstStyle/>
           <a:p>
+            <a:pPr marL="0" indent="0">
+              <a:buNone/>
+            </a:pPr>
+            <a:r>
+              <a:rPr lang="en-US" b="1" u="sng" dirty="0"/>
+              <a:t>Hypotheses</a:t>
+            </a:r>
+          </a:p>
+          <a:p>
+            <a:pPr marL="457200" indent="-457200">
+              <a:buFont typeface="+mj-lt"/>
+              <a:buAutoNum type="alphaUcPeriod"/>
+            </a:pPr>
             <a:r>
               <a:rPr lang="en-US" dirty="0"/>
-              <a:t>S1 Hand, Electrode 27</a:t>
+              <a:t>Similar ERD in beta frequency between actual and imagined</a:t>
+            </a:r>
+          </a:p>
+          <a:p>
+            <a:pPr marL="457200" indent="-457200">
+              <a:buFont typeface="+mj-lt"/>
+              <a:buAutoNum type="alphaUcPeriod"/>
+            </a:pPr>
+            <a:r>
+              <a:rPr lang="en-US" dirty="0"/>
+              <a:t>Attenuated changes in high gamma frequency for imagined movements in comparison with actual movements</a:t>
+            </a:r>
+          </a:p>
+          <a:p>
+            <a:pPr marL="457200" marR="0" lvl="0" indent="-457200" algn="l" defTabSz="914400" rtl="0" eaLnBrk="1" fontAlgn="auto" latinLnBrk="0" hangingPunct="1">
+              <a:lnSpc>
+                <a:spcPct val="100000"/>
+              </a:lnSpc>
+              <a:spcBef>
+                <a:spcPts val="0"/>
+              </a:spcBef>
+              <a:spcAft>
+                <a:spcPts val="0"/>
+              </a:spcAft>
+              <a:buClrTx/>
+              <a:buSzTx/>
+              <a:buFont typeface="+mj-lt"/>
+              <a:buAutoNum type="alphaUcPeriod"/>
+              <a:tabLst/>
+              <a:defRPr/>
+            </a:pPr>
+            <a:r>
+              <a:rPr lang="en-US" sz="1200" dirty="0"/>
+              <a:t>(with and without high gamma) </a:t>
+            </a:r>
+            <a:r>
+              <a:rPr lang="en-US" dirty="0"/>
+              <a:t>Low frequency only models will significantly underperform in the discrimination task</a:t>
             </a:r>
           </a:p>
         </p:txBody>
@@ -1289,7 +1449,7 @@
           <a:p>
             <a:fld id="{82B4990A-4A1F-C748-A4F9-730867261A9F}" type="slidenum">
               <a:rPr lang="en-US" smtClean="0"/>
-              <a:t>5</a:t>
+              <a:t>4</a:t>
             </a:fld>
             <a:endParaRPr lang="en-US"/>
           </a:p>
@@ -1298,7 +1458,7 @@
     </p:spTree>
     <p:extLst>
       <p:ext uri="{BB962C8B-B14F-4D97-AF65-F5344CB8AC3E}">
-        <p14:creationId xmlns:p14="http://schemas.microsoft.com/office/powerpoint/2010/main" val="372416120"/>
+        <p14:creationId xmlns:p14="http://schemas.microsoft.com/office/powerpoint/2010/main" val="2401526002"/>
       </p:ext>
     </p:extLst>
   </p:cSld>
@@ -1353,38 +1513,8 @@
           <a:lstStyle/>
           <a:p>
             <a:r>
-              <a:rPr lang="en-US" sz="1200" dirty="0"/>
+              <a:rPr lang="en-US" dirty="0"/>
               <a:t>S1 Hand, Electrode 27</a:t>
-            </a:r>
-          </a:p>
-          <a:p>
-            <a:pPr algn="l"/>
-            <a:r>
-              <a:rPr lang="en-US" dirty="0"/>
-              <a:t>color (light -&gt; dark) indicates time course over epoch windows (-1000 to 3000 </a:t>
-            </a:r>
-            <a:r>
-              <a:rPr lang="en-US" dirty="0" err="1"/>
-              <a:t>ms</a:t>
-            </a:r>
-            <a:r>
-              <a:rPr lang="en-US" dirty="0"/>
-              <a:t>)</a:t>
-            </a:r>
-          </a:p>
-          <a:p>
-            <a:pPr algn="l"/>
-            <a:r>
-              <a:rPr lang="en-US" dirty="0"/>
-              <a:t>vertical marker indicates 250 </a:t>
-            </a:r>
-            <a:r>
-              <a:rPr lang="en-US" dirty="0" err="1"/>
-              <a:t>ms</a:t>
-            </a:r>
-            <a:r>
-              <a:rPr lang="en-US" dirty="0"/>
-              <a:t> after onset of visual stimulus</a:t>
             </a:r>
           </a:p>
         </p:txBody>
@@ -1406,7 +1536,7 @@
           <a:p>
             <a:fld id="{82B4990A-4A1F-C748-A4F9-730867261A9F}" type="slidenum">
               <a:rPr lang="en-US" smtClean="0"/>
-              <a:t>6</a:t>
+              <a:t>5</a:t>
             </a:fld>
             <a:endParaRPr lang="en-US"/>
           </a:p>
@@ -1415,7 +1545,7 @@
     </p:spTree>
     <p:extLst>
       <p:ext uri="{BB962C8B-B14F-4D97-AF65-F5344CB8AC3E}">
-        <p14:creationId xmlns:p14="http://schemas.microsoft.com/office/powerpoint/2010/main" val="136335985"/>
+        <p14:creationId xmlns:p14="http://schemas.microsoft.com/office/powerpoint/2010/main" val="372416120"/>
       </p:ext>
     </p:extLst>
   </p:cSld>
@@ -1469,7 +1599,40 @@
           <a:bodyPr/>
           <a:lstStyle/>
           <a:p>
-            <a:endParaRPr lang="en-US" dirty="0"/>
+            <a:r>
+              <a:rPr lang="en-US" sz="1200" dirty="0"/>
+              <a:t>S1 Hand, Electrode 27</a:t>
+            </a:r>
+          </a:p>
+          <a:p>
+            <a:pPr algn="l"/>
+            <a:r>
+              <a:rPr lang="en-US" dirty="0"/>
+              <a:t>color (light -&gt; dark) indicates time course over epoch windows (-1000 to 3000 </a:t>
+            </a:r>
+            <a:r>
+              <a:rPr lang="en-US" dirty="0" err="1"/>
+              <a:t>ms</a:t>
+            </a:r>
+            <a:r>
+              <a:rPr lang="en-US" dirty="0"/>
+              <a:t>)</a:t>
+            </a:r>
+          </a:p>
+          <a:p>
+            <a:pPr algn="l"/>
+            <a:r>
+              <a:rPr lang="en-US" dirty="0"/>
+              <a:t>vertical marker indicates 250 </a:t>
+            </a:r>
+            <a:r>
+              <a:rPr lang="en-US" dirty="0" err="1"/>
+              <a:t>ms</a:t>
+            </a:r>
+            <a:r>
+              <a:rPr lang="en-US" dirty="0"/>
+              <a:t> after onset of visual stimulus</a:t>
+            </a:r>
           </a:p>
         </p:txBody>
       </p:sp>
@@ -1490,7 +1653,7 @@
           <a:p>
             <a:fld id="{82B4990A-4A1F-C748-A4F9-730867261A9F}" type="slidenum">
               <a:rPr lang="en-US" smtClean="0"/>
-              <a:t>7</a:t>
+              <a:t>6</a:t>
             </a:fld>
             <a:endParaRPr lang="en-US"/>
           </a:p>
@@ -1499,7 +1662,7 @@
     </p:spTree>
     <p:extLst>
       <p:ext uri="{BB962C8B-B14F-4D97-AF65-F5344CB8AC3E}">
-        <p14:creationId xmlns:p14="http://schemas.microsoft.com/office/powerpoint/2010/main" val="2659438365"/>
+        <p14:creationId xmlns:p14="http://schemas.microsoft.com/office/powerpoint/2010/main" val="136335985"/>
       </p:ext>
     </p:extLst>
   </p:cSld>
@@ -1574,7 +1737,7 @@
           <a:p>
             <a:fld id="{82B4990A-4A1F-C748-A4F9-730867261A9F}" type="slidenum">
               <a:rPr lang="en-US" smtClean="0"/>
-              <a:t>8</a:t>
+              <a:t>7</a:t>
             </a:fld>
             <a:endParaRPr lang="en-US"/>
           </a:p>
@@ -1583,7 +1746,7 @@
     </p:spTree>
     <p:extLst>
       <p:ext uri="{BB962C8B-B14F-4D97-AF65-F5344CB8AC3E}">
-        <p14:creationId xmlns:p14="http://schemas.microsoft.com/office/powerpoint/2010/main" val="2996204707"/>
+        <p14:creationId xmlns:p14="http://schemas.microsoft.com/office/powerpoint/2010/main" val="2659438365"/>
       </p:ext>
     </p:extLst>
   </p:cSld>
@@ -1658,7 +1821,7 @@
           <a:p>
             <a:fld id="{82B4990A-4A1F-C748-A4F9-730867261A9F}" type="slidenum">
               <a:rPr lang="en-US" smtClean="0"/>
-              <a:t>9</a:t>
+              <a:t>8</a:t>
             </a:fld>
             <a:endParaRPr lang="en-US"/>
           </a:p>
@@ -1667,7 +1830,7 @@
     </p:spTree>
     <p:extLst>
       <p:ext uri="{BB962C8B-B14F-4D97-AF65-F5344CB8AC3E}">
-        <p14:creationId xmlns:p14="http://schemas.microsoft.com/office/powerpoint/2010/main" val="2387934672"/>
+        <p14:creationId xmlns:p14="http://schemas.microsoft.com/office/powerpoint/2010/main" val="2996204707"/>
       </p:ext>
     </p:extLst>
   </p:cSld>
@@ -1721,9 +1884,6 @@
           <a:bodyPr/>
           <a:lstStyle/>
           <a:p>
-            <a:pPr marL="0" indent="0">
-              <a:buNone/>
-            </a:pPr>
             <a:endParaRPr lang="en-US" dirty="0"/>
           </a:p>
         </p:txBody>
@@ -1745,7 +1905,7 @@
           <a:p>
             <a:fld id="{82B4990A-4A1F-C748-A4F9-730867261A9F}" type="slidenum">
               <a:rPr lang="en-US" smtClean="0"/>
-              <a:t>10</a:t>
+              <a:t>9</a:t>
             </a:fld>
             <a:endParaRPr lang="en-US"/>
           </a:p>
@@ -1754,7 +1914,7 @@
     </p:spTree>
     <p:extLst>
       <p:ext uri="{BB962C8B-B14F-4D97-AF65-F5344CB8AC3E}">
-        <p14:creationId xmlns:p14="http://schemas.microsoft.com/office/powerpoint/2010/main" val="2977355292"/>
+        <p14:creationId xmlns:p14="http://schemas.microsoft.com/office/powerpoint/2010/main" val="2387934672"/>
       </p:ext>
     </p:extLst>
   </p:cSld>
@@ -9679,14 +9839,14 @@
           <p:nvPr/>
         </p:nvPicPr>
         <p:blipFill>
-          <a:blip r:embed="rId2"/>
+          <a:blip r:embed="rId3"/>
           <a:stretch>
             <a:fillRect/>
           </a:stretch>
         </p:blipFill>
         <p:spPr>
           <a:xfrm>
-            <a:off x="5882186" y="3080022"/>
+            <a:off x="6385435" y="1694068"/>
             <a:ext cx="4863974" cy="2914599"/>
           </a:xfrm>
           <a:prstGeom prst="rect">
@@ -9708,7 +9868,7 @@
         </p:nvSpPr>
         <p:spPr>
           <a:xfrm>
-            <a:off x="9482021" y="5994621"/>
+            <a:off x="9765011" y="1404267"/>
             <a:ext cx="1414246" cy="276999"/>
           </a:xfrm>
           <a:prstGeom prst="rect">
@@ -9745,8 +9905,8 @@
         </p:nvSpPr>
         <p:spPr>
           <a:xfrm>
-            <a:off x="1498982" y="1751818"/>
-            <a:ext cx="4383204" cy="3997828"/>
+            <a:off x="6096000" y="4694196"/>
+            <a:ext cx="5532958" cy="2231262"/>
           </a:xfrm>
           <a:prstGeom prst="rect">
             <a:avLst/>
@@ -9994,34 +10154,33 @@
           </a:lstStyle>
           <a:p>
             <a:r>
+              <a:rPr lang="en-US" b="1" dirty="0"/>
+              <a:t>High beta</a:t>
+            </a:r>
+            <a:r>
               <a:rPr lang="en-US" dirty="0"/>
-              <a:t>relative power in </a:t>
-            </a:r>
+              <a:t> power </a:t>
+            </a:r>
+            <a:r>
+              <a:rPr lang="en-US" u="sng" dirty="0"/>
+              <a:t>inhibits</a:t>
+            </a:r>
+            <a:r>
+              <a:rPr lang="en-US" dirty="0"/>
+              <a:t> movement </a:t>
+            </a:r>
+          </a:p>
+          <a:p>
+            <a:pPr lvl="1"/>
+            <a:r>
+              <a:rPr lang="en-US" dirty="0"/>
+              <a:t>Event related desynchronization (ERD) is necessary for movement to occur</a:t>
+            </a:r>
+          </a:p>
+          <a:p>
             <a:r>
               <a:rPr lang="en-US" b="1" dirty="0"/>
-              <a:t>beta</a:t>
-            </a:r>
-            <a:r>
-              <a:rPr lang="en-US" dirty="0"/>
-              <a:t> frequency </a:t>
-            </a:r>
-            <a:r>
-              <a:rPr lang="en-US" u="sng" dirty="0"/>
-              <a:t>decreases</a:t>
-            </a:r>
-            <a:r>
-              <a:rPr lang="en-US" dirty="0"/>
-              <a:t> within motor cortex during movement (event related desynchronization, ERD)</a:t>
-            </a:r>
-          </a:p>
-          <a:p>
-            <a:r>
-              <a:rPr lang="en-US" dirty="0"/>
-              <a:t>relative power in </a:t>
-            </a:r>
-            <a:r>
-              <a:rPr lang="en-US" b="1" dirty="0"/>
-              <a:t>high gamma </a:t>
+              <a:t>High gamma </a:t>
             </a:r>
             <a:r>
               <a:rPr lang="en-US" dirty="0"/>
@@ -10033,7 +10192,80 @@
             </a:r>
             <a:r>
               <a:rPr lang="en-US" dirty="0"/>
-              <a:t> during movement (event related synchronization, ERS)</a:t>
+              <a:t> during movement </a:t>
+            </a:r>
+          </a:p>
+        </p:txBody>
+      </p:sp>
+      <p:pic>
+        <p:nvPicPr>
+          <p:cNvPr id="3" name="Picture 2">
+            <a:extLst>
+              <a:ext uri="{FF2B5EF4-FFF2-40B4-BE49-F238E27FC236}">
+                <a16:creationId xmlns:a16="http://schemas.microsoft.com/office/drawing/2014/main" id="{B8977B53-8598-1285-3A8A-650443E15B09}"/>
+              </a:ext>
+            </a:extLst>
+          </p:cNvPr>
+          <p:cNvPicPr>
+            <a:picLocks noChangeAspect="1"/>
+          </p:cNvPicPr>
+          <p:nvPr/>
+        </p:nvPicPr>
+        <p:blipFill>
+          <a:blip r:embed="rId4"/>
+          <a:stretch>
+            <a:fillRect/>
+          </a:stretch>
+        </p:blipFill>
+        <p:spPr>
+          <a:xfrm>
+            <a:off x="1123364" y="1663609"/>
+            <a:ext cx="4683203" cy="3772305"/>
+          </a:xfrm>
+          <a:prstGeom prst="rect">
+            <a:avLst/>
+          </a:prstGeom>
+        </p:spPr>
+      </p:pic>
+      <p:sp>
+        <p:nvSpPr>
+          <p:cNvPr id="5" name="TextBox 4">
+            <a:extLst>
+              <a:ext uri="{FF2B5EF4-FFF2-40B4-BE49-F238E27FC236}">
+                <a16:creationId xmlns:a16="http://schemas.microsoft.com/office/drawing/2014/main" id="{439AEEFC-3A1D-3D2C-5962-521B7481D488}"/>
+              </a:ext>
+            </a:extLst>
+          </p:cNvPr>
+          <p:cNvSpPr txBox="1"/>
+          <p:nvPr/>
+        </p:nvSpPr>
+        <p:spPr>
+          <a:xfrm>
+            <a:off x="1032243" y="5435914"/>
+            <a:ext cx="2109968" cy="276999"/>
+          </a:xfrm>
+          <a:prstGeom prst="rect">
+            <a:avLst/>
+          </a:prstGeom>
+          <a:noFill/>
+        </p:spPr>
+        <p:txBody>
+          <a:bodyPr vert="horz" wrap="square" rtlCol="0">
+            <a:spAutoFit/>
+          </a:bodyPr>
+          <a:lstStyle/>
+          <a:p>
+            <a:r>
+              <a:rPr lang="en-US" sz="1200" dirty="0"/>
+              <a:t>Schalk and </a:t>
+            </a:r>
+            <a:r>
+              <a:rPr lang="en-US" sz="1200" dirty="0" err="1"/>
+              <a:t>Leuthardt</a:t>
+            </a:r>
+            <a:r>
+              <a:rPr lang="en-US" sz="1200" dirty="0"/>
+              <a:t> (2011)</a:t>
             </a:r>
           </a:p>
         </p:txBody>
@@ -10041,7 +10273,7 @@
     </p:spTree>
     <p:extLst>
       <p:ext uri="{BB962C8B-B14F-4D97-AF65-F5344CB8AC3E}">
-        <p14:creationId xmlns:p14="http://schemas.microsoft.com/office/powerpoint/2010/main" val="483844281"/>
+        <p14:creationId xmlns:p14="http://schemas.microsoft.com/office/powerpoint/2010/main" val="2774016698"/>
       </p:ext>
     </p:extLst>
   </p:cSld>
@@ -10132,7 +10364,7 @@
     </p:spTree>
     <p:extLst>
       <p:ext uri="{BB962C8B-B14F-4D97-AF65-F5344CB8AC3E}">
-        <p14:creationId xmlns:p14="http://schemas.microsoft.com/office/powerpoint/2010/main" val="2810920428"/>
+        <p14:creationId xmlns:p14="http://schemas.microsoft.com/office/powerpoint/2010/main" val="332362410"/>
       </p:ext>
     </p:extLst>
   </p:cSld>

--- a/presentation/presentation.pptx
+++ b/presentation/presentation.pptx
@@ -1246,21 +1246,8 @@
             </a:r>
             <a:r>
               <a:rPr lang="en-US" dirty="0"/>
-              <a:t> </a:t>
-            </a:r>
-            <a:r>
-              <a:rPr lang="en-US"/>
-              <a:t>EMG were used </a:t>
-            </a:r>
-            <a:r>
-              <a:rPr lang="en-US" dirty="0"/>
-              <a:t>to verify absence of movement during </a:t>
-            </a:r>
-            <a:r>
-              <a:rPr lang="en-US"/>
-              <a:t>imagined condition.</a:t>
-            </a:r>
-            <a:endParaRPr lang="en-US" dirty="0"/>
+              <a:t> EMG were used to verify absence of movement during imagined condition.</a:t>
+            </a:r>
           </a:p>
           <a:p>
             <a:endParaRPr lang="en-US" dirty="0"/>
@@ -7920,26 +7907,18 @@
             </a:pPr>
             <a:r>
               <a:rPr lang="en-US" sz="1400" dirty="0"/>
-              <a:t>Harris, C.R., Millman, K.J., van der Walt, S.J. et al. (2020). Array programming with </a:t>
-            </a:r>
-            <a:r>
-              <a:rPr lang="en-US" sz="1400"/>
-              <a:t>NumPy.</a:t>
+              <a:t>Harris, C.R., Millman, K.J., van der Walt, S.J. et al. (2020). Array programming with NumPy.</a:t>
             </a:r>
             <a:br>
-              <a:rPr lang="en-US" sz="1400"/>
+              <a:rPr lang="en-US" sz="1400" dirty="0"/>
             </a:br>
             <a:r>
-              <a:rPr lang="en-US" sz="1400" i="1"/>
+              <a:rPr lang="en-US" sz="1400" i="1" dirty="0"/>
               <a:t>Nature</a:t>
             </a:r>
             <a:r>
-              <a:rPr lang="en-US" sz="1400"/>
-              <a:t> </a:t>
-            </a:r>
-            <a:r>
               <a:rPr lang="en-US" sz="1400" dirty="0"/>
-              <a:t>585, 357–362.</a:t>
+              <a:t> 585, 357–362.</a:t>
             </a:r>
           </a:p>
           <a:p>
@@ -8042,6 +8021,36 @@
             <a:r>
               <a:rPr lang="en-US" sz="1400" dirty="0"/>
               <a:t>. 2019 Nov;3(11):1225-1235.</a:t>
+            </a:r>
+          </a:p>
+          <a:p>
+            <a:pPr>
+              <a:spcBef>
+                <a:spcPts val="400"/>
+              </a:spcBef>
+              <a:spcAft>
+                <a:spcPts val="400"/>
+              </a:spcAft>
+            </a:pPr>
+            <a:r>
+              <a:rPr lang="en-US" sz="1400" dirty="0"/>
+              <a:t>Schalk, G. and E. C. </a:t>
+            </a:r>
+            <a:r>
+              <a:rPr lang="en-US" sz="1400" dirty="0" err="1"/>
+              <a:t>Leuthardt</a:t>
+            </a:r>
+            <a:r>
+              <a:rPr lang="en-US" sz="1400" dirty="0"/>
+              <a:t>, E.C. (2011). Brain-Computer Interfaces Using Electrocorticographic Signals, </a:t>
+            </a:r>
+            <a:r>
+              <a:rPr lang="en-US" sz="1400" i="1" dirty="0"/>
+              <a:t>IEEE Reviews in Biomedical Engineering</a:t>
+            </a:r>
+            <a:r>
+              <a:rPr lang="en-US" sz="1400" dirty="0"/>
+              <a:t>, 4:140-154.</a:t>
             </a:r>
           </a:p>
           <a:p>

--- a/presentation/presentation.pptx
+++ b/presentation/presentation.pptx
@@ -8008,7 +8008,7 @@
             </a:pPr>
             <a:r>
               <a:rPr lang="en-US" sz="1400" dirty="0"/>
-              <a:t>Miller KJ. A library of human electrocorticographic data and analyses. </a:t>
+              <a:t>Miller KJ. (2019). A library of human electrocorticographic data and analyses. </a:t>
             </a:r>
             <a:r>
               <a:rPr lang="en-US" sz="1400" i="1" dirty="0"/>
@@ -8019,8 +8019,12 @@
               <a:t>Behav</a:t>
             </a:r>
             <a:r>
+              <a:rPr lang="en-US" sz="1400" i="1" dirty="0"/>
+              <a:t>, </a:t>
+            </a:r>
+            <a:r>
               <a:rPr lang="en-US" sz="1400" dirty="0"/>
-              <a:t>. 2019 Nov;3(11):1225-1235.</a:t>
+              <a:t>3(11):1225-1235.</a:t>
             </a:r>
           </a:p>
           <a:p>

--- a/presentation/presentation.pptx
+++ b/presentation/presentation.pptx
@@ -10205,7 +10205,7 @@
             </a:r>
             <a:r>
               <a:rPr lang="en-US" dirty="0"/>
-              <a:t> during movement </a:t>
+              <a:t> during movement  (ERS)</a:t>
             </a:r>
           </a:p>
         </p:txBody>
@@ -10535,6 +10535,183 @@
   <p:transition spd="slow">
     <p:push dir="u"/>
   </p:transition>
+  <p:timing>
+    <p:tnLst>
+      <p:par>
+        <p:cTn id="1" dur="indefinite" restart="never" nodeType="tmRoot">
+          <p:childTnLst>
+            <p:seq concurrent="1" nextAc="seek">
+              <p:cTn id="2" dur="indefinite" nodeType="mainSeq">
+                <p:childTnLst>
+                  <p:par>
+                    <p:cTn id="3" fill="hold">
+                      <p:stCondLst>
+                        <p:cond delay="indefinite"/>
+                      </p:stCondLst>
+                      <p:childTnLst>
+                        <p:par>
+                          <p:cTn id="4" fill="hold">
+                            <p:stCondLst>
+                              <p:cond delay="0"/>
+                            </p:stCondLst>
+                            <p:childTnLst>
+                              <p:par>
+                                <p:cTn id="5" presetID="1" presetClass="entr" presetSubtype="0" fill="hold" nodeType="clickEffect">
+                                  <p:stCondLst>
+                                    <p:cond delay="0"/>
+                                  </p:stCondLst>
+                                  <p:childTnLst>
+                                    <p:set>
+                                      <p:cBhvr>
+                                        <p:cTn id="6" dur="1" fill="hold">
+                                          <p:stCondLst>
+                                            <p:cond delay="0"/>
+                                          </p:stCondLst>
+                                        </p:cTn>
+                                        <p:tgtEl>
+                                          <p:spTgt spid="3">
+                                            <p:txEl>
+                                              <p:pRg st="0" end="0"/>
+                                            </p:txEl>
+                                          </p:spTgt>
+                                        </p:tgtEl>
+                                        <p:attrNameLst>
+                                          <p:attrName>style.visibility</p:attrName>
+                                        </p:attrNameLst>
+                                      </p:cBhvr>
+                                      <p:to>
+                                        <p:strVal val="visible"/>
+                                      </p:to>
+                                    </p:set>
+                                  </p:childTnLst>
+                                </p:cTn>
+                              </p:par>
+                            </p:childTnLst>
+                          </p:cTn>
+                        </p:par>
+                      </p:childTnLst>
+                    </p:cTn>
+                  </p:par>
+                  <p:par>
+                    <p:cTn id="7" fill="hold">
+                      <p:stCondLst>
+                        <p:cond delay="indefinite"/>
+                      </p:stCondLst>
+                      <p:childTnLst>
+                        <p:par>
+                          <p:cTn id="8" fill="hold">
+                            <p:stCondLst>
+                              <p:cond delay="0"/>
+                            </p:stCondLst>
+                            <p:childTnLst>
+                              <p:par>
+                                <p:cTn id="9" presetID="1" presetClass="entr" presetSubtype="0" fill="hold" nodeType="clickEffect">
+                                  <p:stCondLst>
+                                    <p:cond delay="0"/>
+                                  </p:stCondLst>
+                                  <p:childTnLst>
+                                    <p:set>
+                                      <p:cBhvr>
+                                        <p:cTn id="10" dur="1" fill="hold">
+                                          <p:stCondLst>
+                                            <p:cond delay="0"/>
+                                          </p:stCondLst>
+                                        </p:cTn>
+                                        <p:tgtEl>
+                                          <p:spTgt spid="3">
+                                            <p:txEl>
+                                              <p:pRg st="1" end="1"/>
+                                            </p:txEl>
+                                          </p:spTgt>
+                                        </p:tgtEl>
+                                        <p:attrNameLst>
+                                          <p:attrName>style.visibility</p:attrName>
+                                        </p:attrNameLst>
+                                      </p:cBhvr>
+                                      <p:to>
+                                        <p:strVal val="visible"/>
+                                      </p:to>
+                                    </p:set>
+                                  </p:childTnLst>
+                                </p:cTn>
+                              </p:par>
+                            </p:childTnLst>
+                          </p:cTn>
+                        </p:par>
+                      </p:childTnLst>
+                    </p:cTn>
+                  </p:par>
+                  <p:par>
+                    <p:cTn id="11" fill="hold">
+                      <p:stCondLst>
+                        <p:cond delay="indefinite"/>
+                      </p:stCondLst>
+                      <p:childTnLst>
+                        <p:par>
+                          <p:cTn id="12" fill="hold">
+                            <p:stCondLst>
+                              <p:cond delay="0"/>
+                            </p:stCondLst>
+                            <p:childTnLst>
+                              <p:par>
+                                <p:cTn id="13" presetID="1" presetClass="entr" presetSubtype="0" fill="hold" nodeType="clickEffect">
+                                  <p:stCondLst>
+                                    <p:cond delay="0"/>
+                                  </p:stCondLst>
+                                  <p:childTnLst>
+                                    <p:set>
+                                      <p:cBhvr>
+                                        <p:cTn id="14" dur="1" fill="hold">
+                                          <p:stCondLst>
+                                            <p:cond delay="0"/>
+                                          </p:stCondLst>
+                                        </p:cTn>
+                                        <p:tgtEl>
+                                          <p:spTgt spid="3">
+                                            <p:txEl>
+                                              <p:pRg st="2" end="2"/>
+                                            </p:txEl>
+                                          </p:spTgt>
+                                        </p:tgtEl>
+                                        <p:attrNameLst>
+                                          <p:attrName>style.visibility</p:attrName>
+                                        </p:attrNameLst>
+                                      </p:cBhvr>
+                                      <p:to>
+                                        <p:strVal val="visible"/>
+                                      </p:to>
+                                    </p:set>
+                                  </p:childTnLst>
+                                </p:cTn>
+                              </p:par>
+                            </p:childTnLst>
+                          </p:cTn>
+                        </p:par>
+                      </p:childTnLst>
+                    </p:cTn>
+                  </p:par>
+                </p:childTnLst>
+              </p:cTn>
+              <p:prevCondLst>
+                <p:cond evt="onPrev" delay="0">
+                  <p:tgtEl>
+                    <p:sldTgt/>
+                  </p:tgtEl>
+                </p:cond>
+              </p:prevCondLst>
+              <p:nextCondLst>
+                <p:cond evt="onNext" delay="0">
+                  <p:tgtEl>
+                    <p:sldTgt/>
+                  </p:tgtEl>
+                </p:cond>
+              </p:nextCondLst>
+            </p:seq>
+          </p:childTnLst>
+        </p:cTn>
+      </p:par>
+    </p:tnLst>
+  </p:timing>
 </p:sld>
 </file>
 
@@ -11254,8 +11431,8 @@
         </p:blipFill>
         <p:spPr>
           <a:xfrm>
-            <a:off x="2796036" y="2503364"/>
-            <a:ext cx="7006326" cy="4056294"/>
+            <a:off x="1482684" y="1266382"/>
+            <a:ext cx="9226631" cy="5341734"/>
           </a:xfrm>
           <a:prstGeom prst="rect">
             <a:avLst/>
@@ -11308,8 +11485,8 @@
         </p:nvSpPr>
         <p:spPr>
           <a:xfrm>
-            <a:off x="1975138" y="1451875"/>
-            <a:ext cx="8241723" cy="830997"/>
+            <a:off x="1482684" y="95384"/>
+            <a:ext cx="6550760" cy="830997"/>
           </a:xfrm>
           <a:prstGeom prst="rect">
             <a:avLst/>
@@ -11326,71 +11503,6 @@
             <a:r>
               <a:rPr lang="en-US" sz="2400" dirty="0"/>
               <a:t>To what extent do lower frequency bands distinguish actual versus imagined movement?</a:t>
-            </a:r>
-          </a:p>
-        </p:txBody>
-      </p:sp>
-      <p:pic>
-        <p:nvPicPr>
-          <p:cNvPr id="11" name="Picture 10">
-            <a:extLst>
-              <a:ext uri="{FF2B5EF4-FFF2-40B4-BE49-F238E27FC236}">
-                <a16:creationId xmlns:a16="http://schemas.microsoft.com/office/drawing/2014/main" id="{0E4E12B8-AFBE-63C7-F2EB-DDA6070D5F8E}"/>
-              </a:ext>
-            </a:extLst>
-          </p:cNvPr>
-          <p:cNvPicPr>
-            <a:picLocks noChangeAspect="1"/>
-          </p:cNvPicPr>
-          <p:nvPr/>
-        </p:nvPicPr>
-        <p:blipFill>
-          <a:blip r:embed="rId4"/>
-          <a:stretch>
-            <a:fillRect/>
-          </a:stretch>
-        </p:blipFill>
-        <p:spPr>
-          <a:xfrm>
-            <a:off x="1311693" y="3370964"/>
-            <a:ext cx="2155889" cy="1853421"/>
-          </a:xfrm>
-          <a:prstGeom prst="rect">
-            <a:avLst/>
-          </a:prstGeom>
-        </p:spPr>
-      </p:pic>
-      <p:sp>
-        <p:nvSpPr>
-          <p:cNvPr id="12" name="TextBox 11">
-            <a:extLst>
-              <a:ext uri="{FF2B5EF4-FFF2-40B4-BE49-F238E27FC236}">
-                <a16:creationId xmlns:a16="http://schemas.microsoft.com/office/drawing/2014/main" id="{4FE1524C-CBDC-DACD-BD1B-3F70BB278770}"/>
-              </a:ext>
-            </a:extLst>
-          </p:cNvPr>
-          <p:cNvSpPr txBox="1"/>
-          <p:nvPr/>
-        </p:nvSpPr>
-        <p:spPr>
-          <a:xfrm>
-            <a:off x="2088913" y="5194567"/>
-            <a:ext cx="1414246" cy="276999"/>
-          </a:xfrm>
-          <a:prstGeom prst="rect">
-            <a:avLst/>
-          </a:prstGeom>
-          <a:noFill/>
-        </p:spPr>
-        <p:txBody>
-          <a:bodyPr vert="horz" wrap="square" rtlCol="0">
-            <a:spAutoFit/>
-          </a:bodyPr>
-          <a:lstStyle/>
-          <a:p>
-            <a:r>
-              <a:rPr lang="en-US" sz="1200" dirty="0"/>
-              <a:t>Miller et al. (2010)</a:t>
             </a:r>
           </a:p>
         </p:txBody>
